--- a/figuras/matriz_de_confusao.pptx
+++ b/figuras/matriz_de_confusao.pptx
@@ -104,6 +104,11 @@
       </a:defRPr>
     </a:lvl9pPr>
   </p:defaultTextStyle>
+  <p:extLst>
+    <p:ext uri="{EFAFB233-063F-42B5-8137-9DF3F51BA10A}">
+      <p15:sldGuideLst xmlns:p15="http://schemas.microsoft.com/office/powerpoint/2012/main"/>
+    </p:ext>
+  </p:extLst>
 </p:presentation>
 </file>
 
@@ -3478,7 +3483,7 @@
             <a:pPr algn="ctr"/>
             <a:r>
               <a:rPr lang="pt-BR" sz="3200" b="1" dirty="0"/>
-              <a:t>FP</a:t>
+              <a:t>FN</a:t>
             </a:r>
           </a:p>
         </p:txBody>
@@ -3532,7 +3537,7 @@
             <a:pPr algn="ctr"/>
             <a:r>
               <a:rPr lang="pt-BR" sz="3200" b="1" dirty="0"/>
-              <a:t>FN</a:t>
+              <a:t>FP</a:t>
             </a:r>
           </a:p>
         </p:txBody>
